--- a/20231203_ISO 25010 の品質項目/315_JISX25010_図4.pptx
+++ b/20231203_ISO 25010 の品質項目/315_JISX25010_図4.pptx
@@ -259,7 +259,7 @@
           <a:p>
             <a:fld id="{13312C6C-FCB7-4CD7-A2AC-17A5E3D64DF4}" type="datetimeFigureOut">
               <a:rPr kumimoji="1" lang="ja-JP" altLang="en-US" smtClean="0"/>
-              <a:t>2023/12/3</a:t>
+              <a:t>2023/12/7</a:t>
             </a:fld>
             <a:endParaRPr kumimoji="1" lang="ja-JP" altLang="en-US"/>
           </a:p>
@@ -489,7 +489,7 @@
           <a:p>
             <a:fld id="{13312C6C-FCB7-4CD7-A2AC-17A5E3D64DF4}" type="datetimeFigureOut">
               <a:rPr kumimoji="1" lang="ja-JP" altLang="en-US" smtClean="0"/>
-              <a:t>2023/12/3</a:t>
+              <a:t>2023/12/7</a:t>
             </a:fld>
             <a:endParaRPr kumimoji="1" lang="ja-JP" altLang="en-US"/>
           </a:p>
@@ -729,7 +729,7 @@
           <a:p>
             <a:fld id="{13312C6C-FCB7-4CD7-A2AC-17A5E3D64DF4}" type="datetimeFigureOut">
               <a:rPr kumimoji="1" lang="ja-JP" altLang="en-US" smtClean="0"/>
-              <a:t>2023/12/3</a:t>
+              <a:t>2023/12/7</a:t>
             </a:fld>
             <a:endParaRPr kumimoji="1" lang="ja-JP" altLang="en-US"/>
           </a:p>
@@ -959,7 +959,7 @@
           <a:p>
             <a:fld id="{13312C6C-FCB7-4CD7-A2AC-17A5E3D64DF4}" type="datetimeFigureOut">
               <a:rPr kumimoji="1" lang="ja-JP" altLang="en-US" smtClean="0"/>
-              <a:t>2023/12/3</a:t>
+              <a:t>2023/12/7</a:t>
             </a:fld>
             <a:endParaRPr kumimoji="1" lang="ja-JP" altLang="en-US"/>
           </a:p>
@@ -1234,7 +1234,7 @@
           <a:p>
             <a:fld id="{13312C6C-FCB7-4CD7-A2AC-17A5E3D64DF4}" type="datetimeFigureOut">
               <a:rPr kumimoji="1" lang="ja-JP" altLang="en-US" smtClean="0"/>
-              <a:t>2023/12/3</a:t>
+              <a:t>2023/12/7</a:t>
             </a:fld>
             <a:endParaRPr kumimoji="1" lang="ja-JP" altLang="en-US"/>
           </a:p>
@@ -1563,7 +1563,7 @@
           <a:p>
             <a:fld id="{13312C6C-FCB7-4CD7-A2AC-17A5E3D64DF4}" type="datetimeFigureOut">
               <a:rPr kumimoji="1" lang="ja-JP" altLang="en-US" smtClean="0"/>
-              <a:t>2023/12/3</a:t>
+              <a:t>2023/12/7</a:t>
             </a:fld>
             <a:endParaRPr kumimoji="1" lang="ja-JP" altLang="en-US"/>
           </a:p>
@@ -2039,7 +2039,7 @@
           <a:p>
             <a:fld id="{13312C6C-FCB7-4CD7-A2AC-17A5E3D64DF4}" type="datetimeFigureOut">
               <a:rPr kumimoji="1" lang="ja-JP" altLang="en-US" smtClean="0"/>
-              <a:t>2023/12/3</a:t>
+              <a:t>2023/12/7</a:t>
             </a:fld>
             <a:endParaRPr kumimoji="1" lang="ja-JP" altLang="en-US"/>
           </a:p>
@@ -2180,7 +2180,7 @@
           <a:p>
             <a:fld id="{13312C6C-FCB7-4CD7-A2AC-17A5E3D64DF4}" type="datetimeFigureOut">
               <a:rPr kumimoji="1" lang="ja-JP" altLang="en-US" smtClean="0"/>
-              <a:t>2023/12/3</a:t>
+              <a:t>2023/12/7</a:t>
             </a:fld>
             <a:endParaRPr kumimoji="1" lang="ja-JP" altLang="en-US"/>
           </a:p>
@@ -2293,7 +2293,7 @@
           <a:p>
             <a:fld id="{13312C6C-FCB7-4CD7-A2AC-17A5E3D64DF4}" type="datetimeFigureOut">
               <a:rPr kumimoji="1" lang="ja-JP" altLang="en-US" smtClean="0"/>
-              <a:t>2023/12/3</a:t>
+              <a:t>2023/12/7</a:t>
             </a:fld>
             <a:endParaRPr kumimoji="1" lang="ja-JP" altLang="en-US"/>
           </a:p>
@@ -2636,7 +2636,7 @@
           <a:p>
             <a:fld id="{13312C6C-FCB7-4CD7-A2AC-17A5E3D64DF4}" type="datetimeFigureOut">
               <a:rPr kumimoji="1" lang="ja-JP" altLang="en-US" smtClean="0"/>
-              <a:t>2023/12/3</a:t>
+              <a:t>2023/12/7</a:t>
             </a:fld>
             <a:endParaRPr kumimoji="1" lang="ja-JP" altLang="en-US"/>
           </a:p>
@@ -2924,7 +2924,7 @@
           <a:p>
             <a:fld id="{13312C6C-FCB7-4CD7-A2AC-17A5E3D64DF4}" type="datetimeFigureOut">
               <a:rPr kumimoji="1" lang="ja-JP" altLang="en-US" smtClean="0"/>
-              <a:t>2023/12/3</a:t>
+              <a:t>2023/12/7</a:t>
             </a:fld>
             <a:endParaRPr kumimoji="1" lang="ja-JP" altLang="en-US"/>
           </a:p>
@@ -3197,7 +3197,7 @@
           <a:p>
             <a:fld id="{13312C6C-FCB7-4CD7-A2AC-17A5E3D64DF4}" type="datetimeFigureOut">
               <a:rPr kumimoji="1" lang="ja-JP" altLang="en-US" smtClean="0"/>
-              <a:t>2023/12/3</a:t>
+              <a:t>2023/12/7</a:t>
             </a:fld>
             <a:endParaRPr kumimoji="1" lang="ja-JP" altLang="en-US"/>
           </a:p>
@@ -3628,7 +3628,7 @@
         </p:nvSpPr>
         <p:spPr>
           <a:xfrm>
-            <a:off x="2024175" y="1754065"/>
+            <a:off x="2615845" y="1754065"/>
             <a:ext cx="1260000" cy="288000"/>
           </a:xfrm>
           <a:prstGeom prst="rect">
@@ -3689,7 +3689,7 @@
         </p:nvSpPr>
         <p:spPr>
           <a:xfrm>
-            <a:off x="499593" y="2440604"/>
+            <a:off x="1091263" y="2440604"/>
             <a:ext cx="648000" cy="288000"/>
           </a:xfrm>
           <a:prstGeom prst="rect">
@@ -3752,7 +3752,7 @@
         </p:nvSpPr>
         <p:spPr>
           <a:xfrm>
-            <a:off x="1897838" y="2440604"/>
+            <a:off x="2489508" y="2440604"/>
             <a:ext cx="648000" cy="288000"/>
           </a:xfrm>
           <a:prstGeom prst="rect">
@@ -3815,7 +3815,7 @@
         </p:nvSpPr>
         <p:spPr>
           <a:xfrm>
-            <a:off x="2592465" y="2440604"/>
+            <a:off x="3184135" y="2440604"/>
             <a:ext cx="1476000" cy="288000"/>
           </a:xfrm>
           <a:prstGeom prst="rect">
@@ -3878,7 +3878,7 @@
         </p:nvSpPr>
         <p:spPr>
           <a:xfrm>
-            <a:off x="4124501" y="2440604"/>
+            <a:off x="4716171" y="2440604"/>
             <a:ext cx="1152000" cy="288000"/>
           </a:xfrm>
           <a:prstGeom prst="rect">
@@ -3941,7 +3941,7 @@
         </p:nvSpPr>
         <p:spPr>
           <a:xfrm>
-            <a:off x="1201177" y="2440604"/>
+            <a:off x="1792847" y="2440604"/>
             <a:ext cx="648000" cy="288000"/>
           </a:xfrm>
           <a:prstGeom prst="rect">
@@ -4004,7 +4004,7 @@
         </p:nvSpPr>
         <p:spPr>
           <a:xfrm>
-            <a:off x="499593" y="2723390"/>
+            <a:off x="1091263" y="2848893"/>
             <a:ext cx="648000" cy="792000"/>
           </a:xfrm>
           <a:prstGeom prst="rect">
@@ -4076,7 +4076,7 @@
         </p:nvSpPr>
         <p:spPr>
           <a:xfrm>
-            <a:off x="1897838" y="2723390"/>
+            <a:off x="2489508" y="2848893"/>
             <a:ext cx="648000" cy="792000"/>
           </a:xfrm>
           <a:prstGeom prst="rect">
@@ -4202,7 +4202,7 @@
         </p:nvSpPr>
         <p:spPr>
           <a:xfrm>
-            <a:off x="2592465" y="2723390"/>
+            <a:off x="3184135" y="2848893"/>
             <a:ext cx="1476000" cy="792000"/>
           </a:xfrm>
           <a:prstGeom prst="rect">
@@ -4312,7 +4312,7 @@
         </p:nvSpPr>
         <p:spPr>
           <a:xfrm>
-            <a:off x="4124501" y="2723390"/>
+            <a:off x="4716171" y="2848893"/>
             <a:ext cx="1152000" cy="792000"/>
           </a:xfrm>
           <a:prstGeom prst="rect">
@@ -4400,7 +4400,7 @@
         </p:nvSpPr>
         <p:spPr>
           <a:xfrm>
-            <a:off x="1201177" y="2723390"/>
+            <a:off x="1792847" y="2848893"/>
             <a:ext cx="648000" cy="792000"/>
           </a:xfrm>
           <a:prstGeom prst="rect">
@@ -4466,7 +4466,7 @@
         </p:nvCxnSpPr>
         <p:spPr>
           <a:xfrm rot="16200000" flipV="1">
-            <a:off x="3478069" y="1218172"/>
+            <a:off x="4069739" y="1218172"/>
             <a:ext cx="398539" cy="2046326"/>
           </a:xfrm>
           <a:prstGeom prst="bentConnector3">
@@ -4513,7 +4513,7 @@
         </p:nvCxnSpPr>
         <p:spPr>
           <a:xfrm rot="16200000" flipV="1">
-            <a:off x="2793051" y="1903190"/>
+            <a:off x="3384721" y="1903190"/>
             <a:ext cx="398539" cy="676290"/>
           </a:xfrm>
           <a:prstGeom prst="bentConnector3">
@@ -4560,7 +4560,7 @@
         </p:nvCxnSpPr>
         <p:spPr>
           <a:xfrm rot="5400000" flipH="1" flipV="1">
-            <a:off x="2238737" y="2025167"/>
+            <a:off x="2830407" y="2025167"/>
             <a:ext cx="398539" cy="432337"/>
           </a:xfrm>
           <a:prstGeom prst="bentConnector3">
@@ -4607,7 +4607,7 @@
         </p:nvCxnSpPr>
         <p:spPr>
           <a:xfrm rot="5400000" flipH="1" flipV="1">
-            <a:off x="1890407" y="1676836"/>
+            <a:off x="2482077" y="1676836"/>
             <a:ext cx="398539" cy="1128998"/>
           </a:xfrm>
           <a:prstGeom prst="bentConnector3">
@@ -4654,7 +4654,7 @@
         </p:nvCxnSpPr>
         <p:spPr>
           <a:xfrm rot="5400000" flipH="1" flipV="1">
-            <a:off x="1539615" y="1326044"/>
+            <a:off x="2131285" y="1326044"/>
             <a:ext cx="398539" cy="1830582"/>
           </a:xfrm>
           <a:prstGeom prst="bentConnector3">
@@ -4793,6 +4793,432 @@
                 <a:ea typeface="Meiryo UI" panose="020B0604030504040204" pitchFamily="50" charset="-128"/>
               </a:rPr>
               <a:t>利用時の品質モデル</a:t>
+            </a:r>
+            <a:endParaRPr kumimoji="1" lang="ja-JP" altLang="en-US" sz="1000">
+              <a:latin typeface="Meiryo UI" panose="020B0604030504040204" pitchFamily="50" charset="-128"/>
+              <a:ea typeface="Meiryo UI" panose="020B0604030504040204" pitchFamily="50" charset="-128"/>
+            </a:endParaRPr>
+          </a:p>
+        </p:txBody>
+      </p:sp>
+      <p:sp>
+        <p:nvSpPr>
+          <p:cNvPr id="2" name="テキスト ボックス 1">
+            <a:extLst>
+              <a:ext uri="{FF2B5EF4-FFF2-40B4-BE49-F238E27FC236}">
+                <a16:creationId xmlns:a16="http://schemas.microsoft.com/office/drawing/2014/main" id="{03BC1C27-EB7D-E793-1061-B21AC1181A5B}"/>
+              </a:ext>
+            </a:extLst>
+          </p:cNvPr>
+          <p:cNvSpPr txBox="1"/>
+          <p:nvPr/>
+        </p:nvSpPr>
+        <p:spPr>
+          <a:xfrm>
+            <a:off x="496644" y="2866766"/>
+            <a:ext cx="569387" cy="246221"/>
+          </a:xfrm>
+          <a:prstGeom prst="rect">
+            <a:avLst/>
+          </a:prstGeom>
+          <a:noFill/>
+        </p:spPr>
+        <p:txBody>
+          <a:bodyPr wrap="none" rtlCol="0">
+            <a:spAutoFit/>
+          </a:bodyPr>
+          <a:lstStyle/>
+          <a:p>
+            <a:pPr algn="ctr"/>
+            <a:r>
+              <a:rPr kumimoji="1" lang="ja-JP" altLang="en-US" sz="1000">
+                <a:latin typeface="Meiryo UI" panose="020B0604030504040204" pitchFamily="50" charset="-128"/>
+                <a:ea typeface="Meiryo UI" panose="020B0604030504040204" pitchFamily="50" charset="-128"/>
+              </a:rPr>
+              <a:t>副特性</a:t>
+            </a:r>
+          </a:p>
+        </p:txBody>
+      </p:sp>
+      <p:cxnSp>
+        <p:nvCxnSpPr>
+          <p:cNvPr id="4" name="直線コネクタ 19">
+            <a:extLst>
+              <a:ext uri="{FF2B5EF4-FFF2-40B4-BE49-F238E27FC236}">
+                <a16:creationId xmlns:a16="http://schemas.microsoft.com/office/drawing/2014/main" id="{D9E09149-EE6C-468C-D079-8B13515EBCBF}"/>
+              </a:ext>
+            </a:extLst>
+          </p:cNvPr>
+          <p:cNvCxnSpPr>
+            <a:cxnSpLocks/>
+            <a:stCxn id="16" idx="0"/>
+            <a:endCxn id="11" idx="2"/>
+          </p:cNvCxnSpPr>
+          <p:nvPr/>
+        </p:nvCxnSpPr>
+        <p:spPr>
+          <a:xfrm flipV="1">
+            <a:off x="3922135" y="2728604"/>
+            <a:ext cx="0" cy="120289"/>
+          </a:xfrm>
+          <a:prstGeom prst="straightConnector1">
+            <a:avLst/>
+          </a:prstGeom>
+          <a:ln>
+            <a:solidFill>
+              <a:schemeClr val="tx1"/>
+            </a:solidFill>
+          </a:ln>
+        </p:spPr>
+        <p:style>
+          <a:lnRef idx="2">
+            <a:schemeClr val="dk1"/>
+          </a:lnRef>
+          <a:fillRef idx="0">
+            <a:schemeClr val="dk1"/>
+          </a:fillRef>
+          <a:effectRef idx="1">
+            <a:schemeClr val="dk1"/>
+          </a:effectRef>
+          <a:fontRef idx="minor">
+            <a:schemeClr val="tx1"/>
+          </a:fontRef>
+        </p:style>
+      </p:cxnSp>
+      <p:cxnSp>
+        <p:nvCxnSpPr>
+          <p:cNvPr id="5" name="直線コネクタ 19">
+            <a:extLst>
+              <a:ext uri="{FF2B5EF4-FFF2-40B4-BE49-F238E27FC236}">
+                <a16:creationId xmlns:a16="http://schemas.microsoft.com/office/drawing/2014/main" id="{67F16F1F-13C5-A773-BCAF-29C96A53EC07}"/>
+              </a:ext>
+            </a:extLst>
+          </p:cNvPr>
+          <p:cNvCxnSpPr>
+            <a:cxnSpLocks/>
+            <a:stCxn id="17" idx="0"/>
+            <a:endCxn id="12" idx="2"/>
+          </p:cNvCxnSpPr>
+          <p:nvPr/>
+        </p:nvCxnSpPr>
+        <p:spPr>
+          <a:xfrm flipV="1">
+            <a:off x="5292171" y="2728604"/>
+            <a:ext cx="0" cy="120289"/>
+          </a:xfrm>
+          <a:prstGeom prst="straightConnector1">
+            <a:avLst/>
+          </a:prstGeom>
+          <a:ln>
+            <a:solidFill>
+              <a:schemeClr val="tx1"/>
+            </a:solidFill>
+          </a:ln>
+        </p:spPr>
+        <p:style>
+          <a:lnRef idx="2">
+            <a:schemeClr val="dk1"/>
+          </a:lnRef>
+          <a:fillRef idx="0">
+            <a:schemeClr val="dk1"/>
+          </a:fillRef>
+          <a:effectRef idx="1">
+            <a:schemeClr val="dk1"/>
+          </a:effectRef>
+          <a:fontRef idx="minor">
+            <a:schemeClr val="tx1"/>
+          </a:fontRef>
+        </p:style>
+      </p:cxnSp>
+      <p:cxnSp>
+        <p:nvCxnSpPr>
+          <p:cNvPr id="6" name="直線コネクタ 19">
+            <a:extLst>
+              <a:ext uri="{FF2B5EF4-FFF2-40B4-BE49-F238E27FC236}">
+                <a16:creationId xmlns:a16="http://schemas.microsoft.com/office/drawing/2014/main" id="{72BE0370-3C0A-67E5-380A-AE5E45AC74E4}"/>
+              </a:ext>
+            </a:extLst>
+          </p:cNvPr>
+          <p:cNvCxnSpPr>
+            <a:cxnSpLocks/>
+            <a:stCxn id="18" idx="0"/>
+            <a:endCxn id="13" idx="2"/>
+          </p:cNvCxnSpPr>
+          <p:nvPr/>
+        </p:nvCxnSpPr>
+        <p:spPr>
+          <a:xfrm flipV="1">
+            <a:off x="2116847" y="2728604"/>
+            <a:ext cx="0" cy="120289"/>
+          </a:xfrm>
+          <a:prstGeom prst="straightConnector1">
+            <a:avLst/>
+          </a:prstGeom>
+          <a:ln>
+            <a:solidFill>
+              <a:schemeClr val="tx1"/>
+            </a:solidFill>
+          </a:ln>
+        </p:spPr>
+        <p:style>
+          <a:lnRef idx="2">
+            <a:schemeClr val="dk1"/>
+          </a:lnRef>
+          <a:fillRef idx="0">
+            <a:schemeClr val="dk1"/>
+          </a:fillRef>
+          <a:effectRef idx="1">
+            <a:schemeClr val="dk1"/>
+          </a:effectRef>
+          <a:fontRef idx="minor">
+            <a:schemeClr val="tx1"/>
+          </a:fontRef>
+        </p:style>
+      </p:cxnSp>
+      <p:cxnSp>
+        <p:nvCxnSpPr>
+          <p:cNvPr id="7" name="直線コネクタ 19">
+            <a:extLst>
+              <a:ext uri="{FF2B5EF4-FFF2-40B4-BE49-F238E27FC236}">
+                <a16:creationId xmlns:a16="http://schemas.microsoft.com/office/drawing/2014/main" id="{F5AF3D3B-F360-6DF1-07AC-C49207FA3FA0}"/>
+              </a:ext>
+            </a:extLst>
+          </p:cNvPr>
+          <p:cNvCxnSpPr>
+            <a:cxnSpLocks/>
+            <a:stCxn id="15" idx="0"/>
+            <a:endCxn id="10" idx="2"/>
+          </p:cNvCxnSpPr>
+          <p:nvPr/>
+        </p:nvCxnSpPr>
+        <p:spPr>
+          <a:xfrm flipV="1">
+            <a:off x="2813508" y="2728604"/>
+            <a:ext cx="0" cy="120289"/>
+          </a:xfrm>
+          <a:prstGeom prst="straightConnector1">
+            <a:avLst/>
+          </a:prstGeom>
+          <a:ln>
+            <a:solidFill>
+              <a:schemeClr val="tx1"/>
+            </a:solidFill>
+          </a:ln>
+        </p:spPr>
+        <p:style>
+          <a:lnRef idx="2">
+            <a:schemeClr val="dk1"/>
+          </a:lnRef>
+          <a:fillRef idx="0">
+            <a:schemeClr val="dk1"/>
+          </a:fillRef>
+          <a:effectRef idx="1">
+            <a:schemeClr val="dk1"/>
+          </a:effectRef>
+          <a:fontRef idx="minor">
+            <a:schemeClr val="tx1"/>
+          </a:fontRef>
+        </p:style>
+      </p:cxnSp>
+      <p:cxnSp>
+        <p:nvCxnSpPr>
+          <p:cNvPr id="23" name="直線コネクタ 19">
+            <a:extLst>
+              <a:ext uri="{FF2B5EF4-FFF2-40B4-BE49-F238E27FC236}">
+                <a16:creationId xmlns:a16="http://schemas.microsoft.com/office/drawing/2014/main" id="{4372F396-4D7D-1D78-3957-6DAE9E76064E}"/>
+              </a:ext>
+            </a:extLst>
+          </p:cNvPr>
+          <p:cNvCxnSpPr>
+            <a:cxnSpLocks/>
+            <a:stCxn id="14" idx="0"/>
+            <a:endCxn id="9" idx="2"/>
+          </p:cNvCxnSpPr>
+          <p:nvPr/>
+        </p:nvCxnSpPr>
+        <p:spPr>
+          <a:xfrm flipV="1">
+            <a:off x="1415263" y="2728604"/>
+            <a:ext cx="0" cy="120289"/>
+          </a:xfrm>
+          <a:prstGeom prst="straightConnector1">
+            <a:avLst/>
+          </a:prstGeom>
+          <a:ln>
+            <a:solidFill>
+              <a:schemeClr val="tx1"/>
+            </a:solidFill>
+          </a:ln>
+        </p:spPr>
+        <p:style>
+          <a:lnRef idx="2">
+            <a:schemeClr val="dk1"/>
+          </a:lnRef>
+          <a:fillRef idx="0">
+            <a:schemeClr val="dk1"/>
+          </a:fillRef>
+          <a:effectRef idx="1">
+            <a:schemeClr val="dk1"/>
+          </a:effectRef>
+          <a:fontRef idx="minor">
+            <a:schemeClr val="tx1"/>
+          </a:fontRef>
+        </p:style>
+      </p:cxnSp>
+      <p:sp>
+        <p:nvSpPr>
+          <p:cNvPr id="25" name="テキスト ボックス 24">
+            <a:extLst>
+              <a:ext uri="{FF2B5EF4-FFF2-40B4-BE49-F238E27FC236}">
+                <a16:creationId xmlns:a16="http://schemas.microsoft.com/office/drawing/2014/main" id="{870D8466-2418-9DAD-442C-40DA6626F9FC}"/>
+              </a:ext>
+            </a:extLst>
+          </p:cNvPr>
+          <p:cNvSpPr txBox="1"/>
+          <p:nvPr/>
+        </p:nvSpPr>
+        <p:spPr>
+          <a:xfrm>
+            <a:off x="1873760" y="1756965"/>
+            <a:ext cx="745717" cy="246221"/>
+          </a:xfrm>
+          <a:prstGeom prst="rect">
+            <a:avLst/>
+          </a:prstGeom>
+          <a:noFill/>
+        </p:spPr>
+        <p:txBody>
+          <a:bodyPr wrap="none" rtlCol="0">
+            <a:spAutoFit/>
+          </a:bodyPr>
+          <a:lstStyle/>
+          <a:p>
+            <a:r>
+              <a:rPr kumimoji="1" lang="ja-JP" altLang="en-US" sz="1000">
+                <a:latin typeface="Meiryo UI" panose="020B0604030504040204" pitchFamily="50" charset="-128"/>
+                <a:ea typeface="Meiryo UI" panose="020B0604030504040204" pitchFamily="50" charset="-128"/>
+              </a:rPr>
+              <a:t>品質モデル</a:t>
+            </a:r>
+          </a:p>
+        </p:txBody>
+      </p:sp>
+      <p:sp>
+        <p:nvSpPr>
+          <p:cNvPr id="26" name="テキスト ボックス 25">
+            <a:extLst>
+              <a:ext uri="{FF2B5EF4-FFF2-40B4-BE49-F238E27FC236}">
+                <a16:creationId xmlns:a16="http://schemas.microsoft.com/office/drawing/2014/main" id="{3B429A64-206A-5BC2-4845-D346DCE3CF28}"/>
+              </a:ext>
+            </a:extLst>
+          </p:cNvPr>
+          <p:cNvSpPr txBox="1"/>
+          <p:nvPr/>
+        </p:nvSpPr>
+        <p:spPr>
+          <a:xfrm>
+            <a:off x="387699" y="2451482"/>
+            <a:ext cx="697627" cy="246221"/>
+          </a:xfrm>
+          <a:prstGeom prst="rect">
+            <a:avLst/>
+          </a:prstGeom>
+          <a:noFill/>
+        </p:spPr>
+        <p:txBody>
+          <a:bodyPr wrap="none" rtlCol="0">
+            <a:spAutoFit/>
+          </a:bodyPr>
+          <a:lstStyle/>
+          <a:p>
+            <a:pPr algn="ctr"/>
+            <a:r>
+              <a:rPr kumimoji="1" lang="ja-JP" altLang="en-US" sz="1000">
+                <a:latin typeface="Meiryo UI" panose="020B0604030504040204" pitchFamily="50" charset="-128"/>
+                <a:ea typeface="Meiryo UI" panose="020B0604030504040204" pitchFamily="50" charset="-128"/>
+              </a:rPr>
+              <a:t>品質特性</a:t>
+            </a:r>
+          </a:p>
+        </p:txBody>
+      </p:sp>
+      <p:sp>
+        <p:nvSpPr>
+          <p:cNvPr id="28" name="テキスト ボックス 27">
+            <a:extLst>
+              <a:ext uri="{FF2B5EF4-FFF2-40B4-BE49-F238E27FC236}">
+                <a16:creationId xmlns:a16="http://schemas.microsoft.com/office/drawing/2014/main" id="{1035DE5C-3CF8-5DA8-6BC9-3D2D19B962F9}"/>
+              </a:ext>
+            </a:extLst>
+          </p:cNvPr>
+          <p:cNvSpPr txBox="1"/>
+          <p:nvPr/>
+        </p:nvSpPr>
+        <p:spPr>
+          <a:xfrm>
+            <a:off x="1360926" y="3662995"/>
+            <a:ext cx="4608954" cy="246221"/>
+          </a:xfrm>
+          <a:prstGeom prst="rect">
+            <a:avLst/>
+          </a:prstGeom>
+          <a:noFill/>
+        </p:spPr>
+        <p:txBody>
+          <a:bodyPr wrap="none" rtlCol="0">
+            <a:spAutoFit/>
+          </a:bodyPr>
+          <a:lstStyle/>
+          <a:p>
+            <a:pPr algn="r"/>
+            <a:r>
+              <a:rPr kumimoji="1" lang="ja-JP" altLang="en-US" sz="1000">
+                <a:latin typeface="Meiryo UI" panose="020B0604030504040204" pitchFamily="50" charset="-128"/>
+                <a:ea typeface="Meiryo UI" panose="020B0604030504040204" pitchFamily="50" charset="-128"/>
+              </a:rPr>
+              <a:t>「</a:t>
+            </a:r>
+            <a:r>
+              <a:rPr kumimoji="1" lang="en-US" altLang="ja-JP" sz="1000">
+                <a:latin typeface="Meiryo UI" panose="020B0604030504040204" pitchFamily="50" charset="-128"/>
+                <a:ea typeface="Meiryo UI" panose="020B0604030504040204" pitchFamily="50" charset="-128"/>
+              </a:rPr>
+              <a:t>JIS X 25010:2013 (ISO/IEC 25010</a:t>
+            </a:r>
+            <a:r>
+              <a:rPr kumimoji="1" lang="ja-JP" altLang="en-US" sz="1000">
+                <a:latin typeface="Meiryo UI" panose="020B0604030504040204" pitchFamily="50" charset="-128"/>
+                <a:ea typeface="Meiryo UI" panose="020B0604030504040204" pitchFamily="50" charset="-128"/>
+              </a:rPr>
+              <a:t>：</a:t>
+            </a:r>
+            <a:r>
+              <a:rPr kumimoji="1" lang="en-US" altLang="ja-JP" sz="1000">
+                <a:latin typeface="Meiryo UI" panose="020B0604030504040204" pitchFamily="50" charset="-128"/>
+                <a:ea typeface="Meiryo UI" panose="020B0604030504040204" pitchFamily="50" charset="-128"/>
+              </a:rPr>
+              <a:t>2011)</a:t>
+            </a:r>
+            <a:r>
+              <a:rPr kumimoji="1" lang="ja-JP" altLang="en-US" sz="1000">
+                <a:latin typeface="Meiryo UI" panose="020B0604030504040204" pitchFamily="50" charset="-128"/>
+                <a:ea typeface="Meiryo UI" panose="020B0604030504040204" pitchFamily="50" charset="-128"/>
+              </a:rPr>
+              <a:t>　</a:t>
+            </a:r>
+            <a:r>
+              <a:rPr lang="en-US" altLang="ja-JP" sz="1000">
+                <a:latin typeface="Meiryo UI" panose="020B0604030504040204" pitchFamily="50" charset="-128"/>
+                <a:ea typeface="Meiryo UI" panose="020B0604030504040204" pitchFamily="50" charset="-128"/>
+              </a:rPr>
+              <a:t>3.2 </a:t>
+            </a:r>
+            <a:r>
+              <a:rPr lang="ja-JP" altLang="en-US" sz="1000">
+                <a:latin typeface="Meiryo UI" panose="020B0604030504040204" pitchFamily="50" charset="-128"/>
+                <a:ea typeface="Meiryo UI" panose="020B0604030504040204" pitchFamily="50" charset="-128"/>
+              </a:rPr>
+              <a:t>利用時の品質モデル」より </a:t>
             </a:r>
             <a:endParaRPr kumimoji="1" lang="ja-JP" altLang="en-US" sz="1000">
               <a:latin typeface="Meiryo UI" panose="020B0604030504040204" pitchFamily="50" charset="-128"/>
